--- a/lectures/pptx/2_Lecture_two.pptx
+++ b/lectures/pptx/2_Lecture_two.pptx
@@ -23251,29 +23251,7 @@
                 <a:ea typeface="SimSun" panose="02010600030101010101" pitchFamily="2" charset="-122"/>
                 <a:cs typeface="Courier New" panose="02070309020205020404" pitchFamily="49" charset="0"/>
               </a:rPr>
-              <a:t>    float </a:t>
-            </a:r>
-            <a:r>
-              <a:rPr lang="pt-BR" sz="1200" dirty="0" smtClean="0">
-                <a:solidFill>
-                  <a:srgbClr val="080808"/>
-                </a:solidFill>
-                <a:latin typeface="Courier New" panose="02070309020205020404" pitchFamily="49" charset="0"/>
-                <a:ea typeface="SimSun" panose="02010600030101010101" pitchFamily="2" charset="-122"/>
-                <a:cs typeface="Courier New" panose="02070309020205020404" pitchFamily="49" charset="0"/>
-              </a:rPr>
-              <a:t>circumference</a:t>
-            </a:r>
-            <a:r>
-              <a:rPr lang="pt-BR" sz="1200" dirty="0" smtClean="0">
-                <a:solidFill>
-                  <a:srgbClr val="080808"/>
-                </a:solidFill>
-                <a:latin typeface="Courier New" panose="02070309020205020404" pitchFamily="49" charset="0"/>
-                <a:ea typeface="SimSun" panose="02010600030101010101" pitchFamily="2" charset="-122"/>
-                <a:cs typeface="Courier New" panose="02070309020205020404" pitchFamily="49" charset="0"/>
-              </a:rPr>
-              <a:t>;</a:t>
+              <a:t>    float circumference;</a:t>
             </a:r>
           </a:p>
           <a:p>
@@ -24066,29 +24044,7 @@
                 <a:ea typeface="SimSun" panose="02010600030101010101" pitchFamily="2" charset="-122"/>
                 <a:cs typeface="Courier New" panose="02070309020205020404" pitchFamily="49" charset="0"/>
               </a:rPr>
-              <a:t>   for(i=0; </a:t>
-            </a:r>
-            <a:r>
-              <a:rPr lang="pt-BR" sz="1050" dirty="0" smtClean="0">
-                <a:solidFill>
-                  <a:srgbClr val="080808"/>
-                </a:solidFill>
-                <a:latin typeface="Courier New" panose="02070309020205020404" pitchFamily="49" charset="0"/>
-                <a:ea typeface="SimSun" panose="02010600030101010101" pitchFamily="2" charset="-122"/>
-                <a:cs typeface="Courier New" panose="02070309020205020404" pitchFamily="49" charset="0"/>
-              </a:rPr>
-              <a:t>i&lt;3; </a:t>
-            </a:r>
-            <a:r>
-              <a:rPr lang="pt-BR" sz="1050" dirty="0" smtClean="0">
-                <a:solidFill>
-                  <a:srgbClr val="080808"/>
-                </a:solidFill>
-                <a:latin typeface="Courier New" panose="02070309020205020404" pitchFamily="49" charset="0"/>
-                <a:ea typeface="SimSun" panose="02010600030101010101" pitchFamily="2" charset="-122"/>
-                <a:cs typeface="Courier New" panose="02070309020205020404" pitchFamily="49" charset="0"/>
-              </a:rPr>
-              <a:t>i++) {</a:t>
+              <a:t>   for(i=0; i&lt;3; i++) {</a:t>
             </a:r>
           </a:p>
           <a:p>
@@ -24755,7 +24711,7 @@
             <a:effectLst/>
             <a:extLst>
               <a:ext uri="{AF507438-7753-43e0-B8FC-AC1667EBCBE1}">
-                <a14:hiddenEffects xmlns:a14="http://schemas.microsoft.com/office/drawing/2010/main" xmlns="">
+                <a14:hiddenEffects xmlns="" xmlns:a14="http://schemas.microsoft.com/office/drawing/2010/main">
                   <a:effectLst>
                     <a:outerShdw blurRad="63500" dist="38099" dir="2700000" algn="ctr" rotWithShape="0">
                       <a:schemeClr val="bg2">
@@ -24829,7 +24785,7 @@
             <a:effectLst/>
             <a:extLst>
               <a:ext uri="{AF507438-7753-43e0-B8FC-AC1667EBCBE1}">
-                <a14:hiddenEffects xmlns:a14="http://schemas.microsoft.com/office/drawing/2010/main" xmlns="">
+                <a14:hiddenEffects xmlns="" xmlns:a14="http://schemas.microsoft.com/office/drawing/2010/main">
                   <a:effectLst>
                     <a:outerShdw blurRad="63500" dist="38099" dir="2700000" algn="ctr" rotWithShape="0">
                       <a:schemeClr val="bg2">
@@ -24922,7 +24878,7 @@
             <a:effectLst/>
             <a:extLst>
               <a:ext uri="{AF507438-7753-43e0-B8FC-AC1667EBCBE1}">
-                <a14:hiddenEffects xmlns:a14="http://schemas.microsoft.com/office/drawing/2010/main" xmlns="">
+                <a14:hiddenEffects xmlns="" xmlns:a14="http://schemas.microsoft.com/office/drawing/2010/main">
                   <a:effectLst>
                     <a:outerShdw blurRad="63500" dist="38099" dir="2700000" algn="ctr" rotWithShape="0">
                       <a:schemeClr val="bg2">
@@ -25015,7 +24971,7 @@
             <a:effectLst/>
             <a:extLst>
               <a:ext uri="{AF507438-7753-43e0-B8FC-AC1667EBCBE1}">
-                <a14:hiddenEffects xmlns:a14="http://schemas.microsoft.com/office/drawing/2010/main" xmlns="">
+                <a14:hiddenEffects xmlns="" xmlns:a14="http://schemas.microsoft.com/office/drawing/2010/main">
                   <a:effectLst>
                     <a:outerShdw blurRad="63500" dist="38099" dir="2700000" algn="ctr" rotWithShape="0">
                       <a:schemeClr val="bg2">
@@ -25108,7 +25064,7 @@
             <a:effectLst/>
             <a:extLst>
               <a:ext uri="{AF507438-7753-43e0-B8FC-AC1667EBCBE1}">
-                <a14:hiddenEffects xmlns:a14="http://schemas.microsoft.com/office/drawing/2010/main" xmlns="">
+                <a14:hiddenEffects xmlns="" xmlns:a14="http://schemas.microsoft.com/office/drawing/2010/main">
                   <a:effectLst>
                     <a:outerShdw blurRad="63500" dist="38099" dir="2700000" algn="ctr" rotWithShape="0">
                       <a:schemeClr val="bg2">
@@ -25204,7 +25160,7 @@
             <a:effectLst/>
             <a:extLst>
               <a:ext uri="{AF507438-7753-43e0-B8FC-AC1667EBCBE1}">
-                <a14:hiddenEffects xmlns:a14="http://schemas.microsoft.com/office/drawing/2010/main" xmlns="">
+                <a14:hiddenEffects xmlns="" xmlns:a14="http://schemas.microsoft.com/office/drawing/2010/main">
                   <a:effectLst>
                     <a:outerShdw blurRad="63500" dist="38099" dir="2700000" algn="ctr" rotWithShape="0">
                       <a:schemeClr val="bg2">
@@ -25246,7 +25202,7 @@
             <a:effectLst/>
             <a:extLst>
               <a:ext uri="{AF507438-7753-43e0-B8FC-AC1667EBCBE1}">
-                <a14:hiddenEffects xmlns:a14="http://schemas.microsoft.com/office/drawing/2010/main" xmlns="">
+                <a14:hiddenEffects xmlns="" xmlns:a14="http://schemas.microsoft.com/office/drawing/2010/main">
                   <a:effectLst>
                     <a:outerShdw blurRad="63500" dist="38099" dir="2700000" algn="ctr" rotWithShape="0">
                       <a:schemeClr val="bg2">
@@ -25288,7 +25244,7 @@
             <a:effectLst/>
             <a:extLst>
               <a:ext uri="{AF507438-7753-43e0-B8FC-AC1667EBCBE1}">
-                <a14:hiddenEffects xmlns:a14="http://schemas.microsoft.com/office/drawing/2010/main" xmlns="">
+                <a14:hiddenEffects xmlns="" xmlns:a14="http://schemas.microsoft.com/office/drawing/2010/main">
                   <a:effectLst>
                     <a:outerShdw blurRad="63500" dist="38099" dir="2700000" algn="ctr" rotWithShape="0">
                       <a:schemeClr val="bg2">
@@ -25331,7 +25287,7 @@
             <a:effectLst/>
             <a:extLst>
               <a:ext uri="{AF507438-7753-43e0-B8FC-AC1667EBCBE1}">
-                <a14:hiddenEffects xmlns:a14="http://schemas.microsoft.com/office/drawing/2010/main" xmlns="">
+                <a14:hiddenEffects xmlns="" xmlns:a14="http://schemas.microsoft.com/office/drawing/2010/main">
                   <a:effectLst>
                     <a:outerShdw blurRad="63500" dist="38099" dir="2700000" algn="ctr" rotWithShape="0">
                       <a:schemeClr val="bg2">
@@ -25377,7 +25333,7 @@
             <a:effectLst/>
             <a:extLst>
               <a:ext uri="{AF507438-7753-43e0-B8FC-AC1667EBCBE1}">
-                <a14:hiddenEffects xmlns:a14="http://schemas.microsoft.com/office/drawing/2010/main" xmlns="">
+                <a14:hiddenEffects xmlns="" xmlns:a14="http://schemas.microsoft.com/office/drawing/2010/main">
                   <a:effectLst>
                     <a:outerShdw blurRad="63500" dist="38099" dir="2700000" algn="ctr" rotWithShape="0">
                       <a:schemeClr val="bg2">
@@ -25422,7 +25378,7 @@
             <a:effectLst/>
             <a:extLst>
               <a:ext uri="{AF507438-7753-43e0-B8FC-AC1667EBCBE1}">
-                <a14:hiddenEffects xmlns:a14="http://schemas.microsoft.com/office/drawing/2010/main" xmlns="">
+                <a14:hiddenEffects xmlns="" xmlns:a14="http://schemas.microsoft.com/office/drawing/2010/main">
                   <a:effectLst>
                     <a:outerShdw blurRad="63500" dist="38099" dir="2700000" algn="ctr" rotWithShape="0">
                       <a:schemeClr val="bg2">
@@ -25462,7 +25418,7 @@
             <a:effectLst/>
             <a:extLst>
               <a:ext uri="{AF507438-7753-43e0-B8FC-AC1667EBCBE1}">
-                <a14:hiddenEffects xmlns:a14="http://schemas.microsoft.com/office/drawing/2010/main" xmlns="">
+                <a14:hiddenEffects xmlns="" xmlns:a14="http://schemas.microsoft.com/office/drawing/2010/main">
                   <a:effectLst>
                     <a:outerShdw blurRad="63500" dist="38099" dir="2700000" algn="ctr" rotWithShape="0">
                       <a:schemeClr val="bg2">
@@ -26202,18 +26158,7 @@
                 <a:ea typeface="SimSun" panose="02010600030101010101" pitchFamily="2" charset="-122"/>
                 <a:cs typeface="Courier New" panose="02070309020205020404" pitchFamily="49" charset="0"/>
               </a:rPr>
-              <a:t>   </a:t>
-            </a:r>
-            <a:r>
-              <a:rPr lang="pt-BR" sz="1050" dirty="0" smtClean="0">
-                <a:solidFill>
-                  <a:srgbClr val="080808"/>
-                </a:solidFill>
-                <a:latin typeface="Courier New" panose="02070309020205020404" pitchFamily="49" charset="0"/>
-                <a:ea typeface="SimSun" panose="02010600030101010101" pitchFamily="2" charset="-122"/>
-                <a:cs typeface="Courier New" panose="02070309020205020404" pitchFamily="49" charset="0"/>
-              </a:rPr>
-              <a:t>i=0;</a:t>
+              <a:t>   i=0;</a:t>
             </a:r>
             <a:endParaRPr lang="pt-BR" sz="1050" dirty="0">
               <a:solidFill>
@@ -26868,7 +26813,7 @@
             <a:effectLst/>
             <a:extLst>
               <a:ext uri="{AF507438-7753-43e0-B8FC-AC1667EBCBE1}">
-                <a14:hiddenEffects xmlns:a14="http://schemas.microsoft.com/office/drawing/2010/main" xmlns="">
+                <a14:hiddenEffects xmlns="" xmlns:a14="http://schemas.microsoft.com/office/drawing/2010/main">
                   <a:effectLst>
                     <a:outerShdw blurRad="63500" dist="38099" dir="2700000" algn="ctr" rotWithShape="0">
                       <a:schemeClr val="bg2">
@@ -26958,7 +26903,7 @@
             <a:effectLst/>
             <a:extLst>
               <a:ext uri="{AF507438-7753-43e0-B8FC-AC1667EBCBE1}">
-                <a14:hiddenEffects xmlns:a14="http://schemas.microsoft.com/office/drawing/2010/main" xmlns="">
+                <a14:hiddenEffects xmlns="" xmlns:a14="http://schemas.microsoft.com/office/drawing/2010/main">
                   <a:effectLst>
                     <a:outerShdw blurRad="63500" dist="38099" dir="2700000" algn="ctr" rotWithShape="0">
                       <a:schemeClr val="bg2">
@@ -27055,7 +27000,7 @@
             <a:effectLst/>
             <a:extLst>
               <a:ext uri="{AF507438-7753-43e0-B8FC-AC1667EBCBE1}">
-                <a14:hiddenEffects xmlns:a14="http://schemas.microsoft.com/office/drawing/2010/main" xmlns="">
+                <a14:hiddenEffects xmlns="" xmlns:a14="http://schemas.microsoft.com/office/drawing/2010/main">
                   <a:effectLst>
                     <a:outerShdw blurRad="63500" dist="38099" dir="2700000" algn="ctr" rotWithShape="0">
                       <a:schemeClr val="bg2">
@@ -27147,7 +27092,7 @@
             <a:effectLst/>
             <a:extLst>
               <a:ext uri="{AF507438-7753-43e0-B8FC-AC1667EBCBE1}">
-                <a14:hiddenEffects xmlns:a14="http://schemas.microsoft.com/office/drawing/2010/main" xmlns="">
+                <a14:hiddenEffects xmlns="" xmlns:a14="http://schemas.microsoft.com/office/drawing/2010/main">
                   <a:effectLst>
                     <a:outerShdw blurRad="63500" dist="38099" dir="2700000" algn="ctr" rotWithShape="0">
                       <a:schemeClr val="bg2">
@@ -27193,7 +27138,7 @@
             <a:effectLst/>
             <a:extLst>
               <a:ext uri="{AF507438-7753-43e0-B8FC-AC1667EBCBE1}">
-                <a14:hiddenEffects xmlns:a14="http://schemas.microsoft.com/office/drawing/2010/main" xmlns="">
+                <a14:hiddenEffects xmlns="" xmlns:a14="http://schemas.microsoft.com/office/drawing/2010/main">
                   <a:effectLst>
                     <a:outerShdw blurRad="63500" dist="38099" dir="2700000" algn="ctr" rotWithShape="0">
                       <a:schemeClr val="bg2">
@@ -27243,7 +27188,7 @@
             <a:effectLst/>
             <a:extLst>
               <a:ext uri="{AF507438-7753-43e0-B8FC-AC1667EBCBE1}">
-                <a14:hiddenEffects xmlns:a14="http://schemas.microsoft.com/office/drawing/2010/main" xmlns="">
+                <a14:hiddenEffects xmlns="" xmlns:a14="http://schemas.microsoft.com/office/drawing/2010/main">
                   <a:effectLst>
                     <a:outerShdw blurRad="63500" dist="38099" dir="2700000" algn="ctr" rotWithShape="0">
                       <a:schemeClr val="bg2">
@@ -27292,7 +27237,7 @@
             <a:effectLst/>
             <a:extLst>
               <a:ext uri="{AF507438-7753-43e0-B8FC-AC1667EBCBE1}">
-                <a14:hiddenEffects xmlns:a14="http://schemas.microsoft.com/office/drawing/2010/main" xmlns="">
+                <a14:hiddenEffects xmlns="" xmlns:a14="http://schemas.microsoft.com/office/drawing/2010/main">
                   <a:effectLst>
                     <a:outerShdw blurRad="63500" dist="38099" dir="2700000" algn="ctr" rotWithShape="0">
                       <a:schemeClr val="bg2">
@@ -27336,7 +27281,7 @@
             <a:effectLst/>
             <a:extLst>
               <a:ext uri="{AF507438-7753-43e0-B8FC-AC1667EBCBE1}">
-                <a14:hiddenEffects xmlns:a14="http://schemas.microsoft.com/office/drawing/2010/main" xmlns="">
+                <a14:hiddenEffects xmlns="" xmlns:a14="http://schemas.microsoft.com/office/drawing/2010/main">
                   <a:effectLst>
                     <a:outerShdw blurRad="63500" dist="38099" dir="2700000" algn="ctr" rotWithShape="0">
                       <a:schemeClr val="bg2">
@@ -31081,18 +31026,7 @@
                 <a:ea typeface="SimSun" panose="02010600030101010101" pitchFamily="2" charset="-122"/>
                 <a:cs typeface="Courier New" panose="02070309020205020404" pitchFamily="49" charset="0"/>
               </a:rPr>
-              <a:t>   </a:t>
-            </a:r>
-            <a:r>
-              <a:rPr lang="pt-BR" sz="1050" dirty="0" smtClean="0">
-                <a:solidFill>
-                  <a:srgbClr val="080808"/>
-                </a:solidFill>
-                <a:latin typeface="Courier New" panose="02070309020205020404" pitchFamily="49" charset="0"/>
-                <a:ea typeface="SimSun" panose="02010600030101010101" pitchFamily="2" charset="-122"/>
-                <a:cs typeface="Courier New" panose="02070309020205020404" pitchFamily="49" charset="0"/>
-              </a:rPr>
-              <a:t>i=0;</a:t>
+              <a:t>   i=0;</a:t>
             </a:r>
             <a:endParaRPr lang="pt-BR" sz="1050" dirty="0">
               <a:solidFill>
@@ -31304,29 +31238,7 @@
                 <a:ea typeface="SimSun" panose="02010600030101010101" pitchFamily="2" charset="-122"/>
                 <a:cs typeface="Courier New" panose="02070309020205020404" pitchFamily="49" charset="0"/>
               </a:rPr>
-              <a:t>   printf</a:t>
-            </a:r>
-            <a:r>
-              <a:rPr lang="pt-BR" sz="1050" dirty="0" smtClean="0">
-                <a:solidFill>
-                  <a:srgbClr val="080808"/>
-                </a:solidFill>
-                <a:latin typeface="Courier New" panose="02070309020205020404" pitchFamily="49" charset="0"/>
-                <a:ea typeface="SimSun" panose="02010600030101010101" pitchFamily="2" charset="-122"/>
-                <a:cs typeface="Courier New" panose="02070309020205020404" pitchFamily="49" charset="0"/>
-              </a:rPr>
-              <a:t>(“\</a:t>
-            </a:r>
-            <a:r>
-              <a:rPr lang="pt-BR" sz="1050" dirty="0" smtClean="0">
-                <a:solidFill>
-                  <a:srgbClr val="080808"/>
-                </a:solidFill>
-                <a:latin typeface="Courier New" panose="02070309020205020404" pitchFamily="49" charset="0"/>
-                <a:ea typeface="SimSun" panose="02010600030101010101" pitchFamily="2" charset="-122"/>
-                <a:cs typeface="Courier New" panose="02070309020205020404" pitchFamily="49" charset="0"/>
-              </a:rPr>
-              <a:t>nTotal area is:\t%f\n”, total_area);</a:t>
+              <a:t>   printf(“\nTotal area is:\t%f\n”, total_area);</a:t>
             </a:r>
           </a:p>
           <a:p>
@@ -31944,27 +31856,8 @@
                 <a:ea typeface="SimSun" panose="02010600030101010101" pitchFamily="2" charset="-122"/>
                 <a:cs typeface="Courier New" panose="02070309020205020404" pitchFamily="49" charset="0"/>
               </a:rPr>
-              <a:t>radius[2</a:t>
-            </a:r>
-            <a:r>
-              <a:rPr lang="pt-BR" sz="1050" dirty="0" smtClean="0">
-                <a:solidFill>
-                  <a:srgbClr val="080808"/>
-                </a:solidFill>
-                <a:latin typeface="Courier New" panose="02070309020205020404" pitchFamily="49" charset="0"/>
-                <a:ea typeface="SimSun" panose="02010600030101010101" pitchFamily="2" charset="-122"/>
-                <a:cs typeface="Courier New" panose="02070309020205020404" pitchFamily="49" charset="0"/>
-              </a:rPr>
-              <a:t>]);</a:t>
-            </a:r>
-            <a:endParaRPr lang="pt-BR" sz="1050" dirty="0" smtClean="0">
-              <a:solidFill>
-                <a:srgbClr val="080808"/>
-              </a:solidFill>
-              <a:latin typeface="Courier New" panose="02070309020205020404" pitchFamily="49" charset="0"/>
-              <a:ea typeface="SimSun" panose="02010600030101010101" pitchFamily="2" charset="-122"/>
-              <a:cs typeface="Courier New" panose="02070309020205020404" pitchFamily="49" charset="0"/>
-            </a:endParaRPr>
+              <a:t>radius[2]);</a:t>
+            </a:r>
           </a:p>
           <a:p>
             <a:endParaRPr lang="pt-BR" sz="1050" dirty="0">
@@ -34184,7 +34077,7 @@
           <a:effectLst/>
           <a:extLst>
             <a:ext uri="{AF507438-7753-43e0-B8FC-AC1667EBCBE1}">
-              <a14:hiddenEffects xmlns:a14="http://schemas.microsoft.com/office/drawing/2010/main" xmlns="">
+              <a14:hiddenEffects xmlns="" xmlns:a14="http://schemas.microsoft.com/office/drawing/2010/main">
                 <a:effectLst>
                   <a:outerShdw blurRad="63500" dist="38099" dir="2700000" algn="ctr" rotWithShape="0">
                     <a:schemeClr val="bg2">
@@ -36654,7 +36547,19 @@
               <a:rPr lang="en-GB" sz="1400" dirty="0" smtClean="0">
                 <a:latin typeface="+mn-lt"/>
               </a:rPr>
-              <a:t>Eight bits combine to produce a byte. If each bit in a byte can be either a zero or a one then a bit can represent: </a:t>
+              <a:t>Eight bits combine to produce a byte. If each bit in a byte can be either a zero or a one then a </a:t>
+            </a:r>
+            <a:r>
+              <a:rPr lang="en-GB" sz="1400" dirty="0" smtClean="0">
+                <a:latin typeface="+mn-lt"/>
+              </a:rPr>
+              <a:t>byte </a:t>
+            </a:r>
+            <a:r>
+              <a:rPr lang="en-GB" sz="1400" dirty="0" smtClean="0">
+                <a:latin typeface="+mn-lt"/>
+              </a:rPr>
+              <a:t>can represent: </a:t>
             </a:r>
           </a:p>
           <a:p>
@@ -40058,7 +39963,7 @@
         <a:effectLst/>
         <a:extLst>
           <a:ext uri="{AF507438-7753-43e0-B8FC-AC1667EBCBE1}">
-            <a14:hiddenEffects xmlns:a14="http://schemas.microsoft.com/office/drawing/2010/main" xmlns="">
+            <a14:hiddenEffects xmlns="" xmlns:a14="http://schemas.microsoft.com/office/drawing/2010/main">
               <a:effectLst>
                 <a:outerShdw blurRad="63500" dist="38099" dir="2700000" algn="ctr" rotWithShape="0">
                   <a:schemeClr val="bg2">
@@ -40134,7 +40039,7 @@
         <a:effectLst/>
         <a:extLst>
           <a:ext uri="{AF507438-7753-43e0-B8FC-AC1667EBCBE1}">
-            <a14:hiddenEffects xmlns:a14="http://schemas.microsoft.com/office/drawing/2010/main" xmlns="">
+            <a14:hiddenEffects xmlns="" xmlns:a14="http://schemas.microsoft.com/office/drawing/2010/main">
               <a:effectLst>
                 <a:outerShdw blurRad="63500" dist="38099" dir="2700000" algn="ctr" rotWithShape="0">
                   <a:schemeClr val="bg2">
@@ -41197,6 +41102,24 @@
 </file>
 
 <file path=customXml/item1.xml><?xml version="1.0" encoding="utf-8"?>
+<p:properties xmlns:p="http://schemas.microsoft.com/office/2006/metadata/properties" xmlns:xsi="http://www.w3.org/2001/XMLSchema-instance" xmlns:pc="http://schemas.microsoft.com/office/infopath/2007/PartnerControls">
+  <documentManagement>
+    <PublishingExpirationDate xmlns="http://schemas.microsoft.com/sharepoint/v3" xsi:nil="true"/>
+    <PublishingStartDate xmlns="http://schemas.microsoft.com/sharepoint/v3" xsi:nil="true"/>
+  </documentManagement>
+</p:properties>
+</file>
+
+<file path=customXml/item2.xml><?xml version="1.0" encoding="utf-8"?>
+<?mso-contentType ?>
+<FormTemplates xmlns="http://schemas.microsoft.com/sharepoint/v3/contenttype/forms">
+  <Display>DocumentLibraryForm</Display>
+  <Edit>DocumentLibraryForm</Edit>
+  <New>DocumentLibraryForm</New>
+</FormTemplates>
+</file>
+
+<file path=customXml/item3.xml><?xml version="1.0" encoding="utf-8"?>
 <ct:contentTypeSchema xmlns:ct="http://schemas.microsoft.com/office/2006/metadata/contentType" xmlns:ma="http://schemas.microsoft.com/office/2006/metadata/properties/metaAttributes" ct:_="" ma:_="" ma:contentTypeName="Document" ma:contentTypeID="0x010100F087B862386F8A48840A2142C0600765" ma:contentTypeVersion="1" ma:contentTypeDescription="Create a new document." ma:contentTypeScope="" ma:versionID="68e7a6ad2ab34d836eda56dc5c7bc733">
   <xsd:schema xmlns:xsd="http://www.w3.org/2001/XMLSchema" xmlns:xs="http://www.w3.org/2001/XMLSchema" xmlns:p="http://schemas.microsoft.com/office/2006/metadata/properties" xmlns:ns1="http://schemas.microsoft.com/sharepoint/v3" targetNamespace="http://schemas.microsoft.com/office/2006/metadata/properties" ma:root="true" ma:fieldsID="48c5b5cd9b8d25ff6dd15848836f4270" ns1:_="">
     <xsd:import namespace="http://schemas.microsoft.com/sharepoint/v3"/>
@@ -41328,25 +41251,31 @@
 </ct:contentTypeSchema>
 </file>
 
-<file path=customXml/item2.xml><?xml version="1.0" encoding="utf-8"?>
-<?mso-contentType ?>
-<FormTemplates xmlns="http://schemas.microsoft.com/sharepoint/v3/contenttype/forms">
-  <Display>DocumentLibraryForm</Display>
-  <Edit>DocumentLibraryForm</Edit>
-  <New>DocumentLibraryForm</New>
-</FormTemplates>
+<file path=customXml/itemProps1.xml><?xml version="1.0" encoding="utf-8"?>
+<ds:datastoreItem xmlns:ds="http://schemas.openxmlformats.org/officeDocument/2006/customXml" ds:itemID="{D83787E9-855B-43BD-8382-B7C63B9BC33D}">
+  <ds:schemaRefs>
+    <ds:schemaRef ds:uri="http://purl.org/dc/terms/"/>
+    <ds:schemaRef ds:uri="http://schemas.openxmlformats.org/package/2006/metadata/core-properties"/>
+    <ds:schemaRef ds:uri="http://schemas.microsoft.com/office/2006/documentManagement/types"/>
+    <ds:schemaRef ds:uri="http://schemas.microsoft.com/office/infopath/2007/PartnerControls"/>
+    <ds:schemaRef ds:uri="http://purl.org/dc/elements/1.1/"/>
+    <ds:schemaRef ds:uri="http://schemas.microsoft.com/office/2006/metadata/properties"/>
+    <ds:schemaRef ds:uri="http://schemas.microsoft.com/sharepoint/v3"/>
+    <ds:schemaRef ds:uri="http://www.w3.org/XML/1998/namespace"/>
+    <ds:schemaRef ds:uri="http://purl.org/dc/dcmitype/"/>
+  </ds:schemaRefs>
+</ds:datastoreItem>
 </file>
 
-<file path=customXml/item3.xml><?xml version="1.0" encoding="utf-8"?>
-<p:properties xmlns:p="http://schemas.microsoft.com/office/2006/metadata/properties" xmlns:xsi="http://www.w3.org/2001/XMLSchema-instance" xmlns:pc="http://schemas.microsoft.com/office/infopath/2007/PartnerControls">
-  <documentManagement>
-    <PublishingExpirationDate xmlns="http://schemas.microsoft.com/sharepoint/v3" xsi:nil="true"/>
-    <PublishingStartDate xmlns="http://schemas.microsoft.com/sharepoint/v3" xsi:nil="true"/>
-  </documentManagement>
-</p:properties>
+<file path=customXml/itemProps2.xml><?xml version="1.0" encoding="utf-8"?>
+<ds:datastoreItem xmlns:ds="http://schemas.openxmlformats.org/officeDocument/2006/customXml" ds:itemID="{2E0637EC-CEA5-409F-B139-003005A14145}">
+  <ds:schemaRefs>
+    <ds:schemaRef ds:uri="http://schemas.microsoft.com/sharepoint/v3/contenttype/forms"/>
+  </ds:schemaRefs>
+</ds:datastoreItem>
 </file>
 
-<file path=customXml/itemProps1.xml><?xml version="1.0" encoding="utf-8"?>
+<file path=customXml/itemProps3.xml><?xml version="1.0" encoding="utf-8"?>
 <ds:datastoreItem xmlns:ds="http://schemas.openxmlformats.org/officeDocument/2006/customXml" ds:itemID="{866DD9C6-787C-4079-86E8-1446954686C6}">
   <ds:schemaRefs>
     <ds:schemaRef ds:uri="http://schemas.microsoft.com/office/2006/metadata/contentType"/>
@@ -41362,28 +41291,4 @@
     <ds:schemaRef ds:uri="http://schemas.microsoft.com/internal/obd"/>
   </ds:schemaRefs>
 </ds:datastoreItem>
-</file>
-
-<file path=customXml/itemProps2.xml><?xml version="1.0" encoding="utf-8"?>
-<ds:datastoreItem xmlns:ds="http://schemas.openxmlformats.org/officeDocument/2006/customXml" ds:itemID="{2E0637EC-CEA5-409F-B139-003005A14145}">
-  <ds:schemaRefs>
-    <ds:schemaRef ds:uri="http://schemas.microsoft.com/sharepoint/v3/contenttype/forms"/>
-  </ds:schemaRefs>
-</ds:datastoreItem>
-</file>
-
-<file path=customXml/itemProps3.xml><?xml version="1.0" encoding="utf-8"?>
-<ds:datastoreItem xmlns:ds="http://schemas.openxmlformats.org/officeDocument/2006/customXml" ds:itemID="{D83787E9-855B-43BD-8382-B7C63B9BC33D}">
-  <ds:schemaRefs>
-    <ds:schemaRef ds:uri="http://purl.org/dc/terms/"/>
-    <ds:schemaRef ds:uri="http://schemas.openxmlformats.org/package/2006/metadata/core-properties"/>
-    <ds:schemaRef ds:uri="http://schemas.microsoft.com/office/2006/documentManagement/types"/>
-    <ds:schemaRef ds:uri="http://schemas.microsoft.com/office/infopath/2007/PartnerControls"/>
-    <ds:schemaRef ds:uri="http://purl.org/dc/elements/1.1/"/>
-    <ds:schemaRef ds:uri="http://schemas.microsoft.com/office/2006/metadata/properties"/>
-    <ds:schemaRef ds:uri="http://schemas.microsoft.com/sharepoint/v3"/>
-    <ds:schemaRef ds:uri="http://www.w3.org/XML/1998/namespace"/>
-    <ds:schemaRef ds:uri="http://purl.org/dc/dcmitype/"/>
-  </ds:schemaRefs>
-</ds:datastoreItem>
 </file>
--- a/lectures/pptx/2_Lecture_two.pptx
+++ b/lectures/pptx/2_Lecture_two.pptx
@@ -24711,7 +24711,7 @@
             <a:effectLst/>
             <a:extLst>
               <a:ext uri="{AF507438-7753-43e0-B8FC-AC1667EBCBE1}">
-                <a14:hiddenEffects xmlns="" xmlns:a14="http://schemas.microsoft.com/office/drawing/2010/main">
+                <a14:hiddenEffects xmlns:a14="http://schemas.microsoft.com/office/drawing/2010/main" xmlns="">
                   <a:effectLst>
                     <a:outerShdw blurRad="63500" dist="38099" dir="2700000" algn="ctr" rotWithShape="0">
                       <a:schemeClr val="bg2">
@@ -24785,7 +24785,7 @@
             <a:effectLst/>
             <a:extLst>
               <a:ext uri="{AF507438-7753-43e0-B8FC-AC1667EBCBE1}">
-                <a14:hiddenEffects xmlns="" xmlns:a14="http://schemas.microsoft.com/office/drawing/2010/main">
+                <a14:hiddenEffects xmlns:a14="http://schemas.microsoft.com/office/drawing/2010/main" xmlns="">
                   <a:effectLst>
                     <a:outerShdw blurRad="63500" dist="38099" dir="2700000" algn="ctr" rotWithShape="0">
                       <a:schemeClr val="bg2">
@@ -24878,7 +24878,7 @@
             <a:effectLst/>
             <a:extLst>
               <a:ext uri="{AF507438-7753-43e0-B8FC-AC1667EBCBE1}">
-                <a14:hiddenEffects xmlns="" xmlns:a14="http://schemas.microsoft.com/office/drawing/2010/main">
+                <a14:hiddenEffects xmlns:a14="http://schemas.microsoft.com/office/drawing/2010/main" xmlns="">
                   <a:effectLst>
                     <a:outerShdw blurRad="63500" dist="38099" dir="2700000" algn="ctr" rotWithShape="0">
                       <a:schemeClr val="bg2">
@@ -24971,7 +24971,7 @@
             <a:effectLst/>
             <a:extLst>
               <a:ext uri="{AF507438-7753-43e0-B8FC-AC1667EBCBE1}">
-                <a14:hiddenEffects xmlns="" xmlns:a14="http://schemas.microsoft.com/office/drawing/2010/main">
+                <a14:hiddenEffects xmlns:a14="http://schemas.microsoft.com/office/drawing/2010/main" xmlns="">
                   <a:effectLst>
                     <a:outerShdw blurRad="63500" dist="38099" dir="2700000" algn="ctr" rotWithShape="0">
                       <a:schemeClr val="bg2">
@@ -25064,7 +25064,7 @@
             <a:effectLst/>
             <a:extLst>
               <a:ext uri="{AF507438-7753-43e0-B8FC-AC1667EBCBE1}">
-                <a14:hiddenEffects xmlns="" xmlns:a14="http://schemas.microsoft.com/office/drawing/2010/main">
+                <a14:hiddenEffects xmlns:a14="http://schemas.microsoft.com/office/drawing/2010/main" xmlns="">
                   <a:effectLst>
                     <a:outerShdw blurRad="63500" dist="38099" dir="2700000" algn="ctr" rotWithShape="0">
                       <a:schemeClr val="bg2">
@@ -25160,7 +25160,7 @@
             <a:effectLst/>
             <a:extLst>
               <a:ext uri="{AF507438-7753-43e0-B8FC-AC1667EBCBE1}">
-                <a14:hiddenEffects xmlns="" xmlns:a14="http://schemas.microsoft.com/office/drawing/2010/main">
+                <a14:hiddenEffects xmlns:a14="http://schemas.microsoft.com/office/drawing/2010/main" xmlns="">
                   <a:effectLst>
                     <a:outerShdw blurRad="63500" dist="38099" dir="2700000" algn="ctr" rotWithShape="0">
                       <a:schemeClr val="bg2">
@@ -25202,7 +25202,7 @@
             <a:effectLst/>
             <a:extLst>
               <a:ext uri="{AF507438-7753-43e0-B8FC-AC1667EBCBE1}">
-                <a14:hiddenEffects xmlns="" xmlns:a14="http://schemas.microsoft.com/office/drawing/2010/main">
+                <a14:hiddenEffects xmlns:a14="http://schemas.microsoft.com/office/drawing/2010/main" xmlns="">
                   <a:effectLst>
                     <a:outerShdw blurRad="63500" dist="38099" dir="2700000" algn="ctr" rotWithShape="0">
                       <a:schemeClr val="bg2">
@@ -25244,7 +25244,7 @@
             <a:effectLst/>
             <a:extLst>
               <a:ext uri="{AF507438-7753-43e0-B8FC-AC1667EBCBE1}">
-                <a14:hiddenEffects xmlns="" xmlns:a14="http://schemas.microsoft.com/office/drawing/2010/main">
+                <a14:hiddenEffects xmlns:a14="http://schemas.microsoft.com/office/drawing/2010/main" xmlns="">
                   <a:effectLst>
                     <a:outerShdw blurRad="63500" dist="38099" dir="2700000" algn="ctr" rotWithShape="0">
                       <a:schemeClr val="bg2">
@@ -25287,7 +25287,7 @@
             <a:effectLst/>
             <a:extLst>
               <a:ext uri="{AF507438-7753-43e0-B8FC-AC1667EBCBE1}">
-                <a14:hiddenEffects xmlns="" xmlns:a14="http://schemas.microsoft.com/office/drawing/2010/main">
+                <a14:hiddenEffects xmlns:a14="http://schemas.microsoft.com/office/drawing/2010/main" xmlns="">
                   <a:effectLst>
                     <a:outerShdw blurRad="63500" dist="38099" dir="2700000" algn="ctr" rotWithShape="0">
                       <a:schemeClr val="bg2">
@@ -25333,7 +25333,7 @@
             <a:effectLst/>
             <a:extLst>
               <a:ext uri="{AF507438-7753-43e0-B8FC-AC1667EBCBE1}">
-                <a14:hiddenEffects xmlns="" xmlns:a14="http://schemas.microsoft.com/office/drawing/2010/main">
+                <a14:hiddenEffects xmlns:a14="http://schemas.microsoft.com/office/drawing/2010/main" xmlns="">
                   <a:effectLst>
                     <a:outerShdw blurRad="63500" dist="38099" dir="2700000" algn="ctr" rotWithShape="0">
                       <a:schemeClr val="bg2">
@@ -25378,7 +25378,7 @@
             <a:effectLst/>
             <a:extLst>
               <a:ext uri="{AF507438-7753-43e0-B8FC-AC1667EBCBE1}">
-                <a14:hiddenEffects xmlns="" xmlns:a14="http://schemas.microsoft.com/office/drawing/2010/main">
+                <a14:hiddenEffects xmlns:a14="http://schemas.microsoft.com/office/drawing/2010/main" xmlns="">
                   <a:effectLst>
                     <a:outerShdw blurRad="63500" dist="38099" dir="2700000" algn="ctr" rotWithShape="0">
                       <a:schemeClr val="bg2">
@@ -25418,7 +25418,7 @@
             <a:effectLst/>
             <a:extLst>
               <a:ext uri="{AF507438-7753-43e0-B8FC-AC1667EBCBE1}">
-                <a14:hiddenEffects xmlns="" xmlns:a14="http://schemas.microsoft.com/office/drawing/2010/main">
+                <a14:hiddenEffects xmlns:a14="http://schemas.microsoft.com/office/drawing/2010/main" xmlns="">
                   <a:effectLst>
                     <a:outerShdw blurRad="63500" dist="38099" dir="2700000" algn="ctr" rotWithShape="0">
                       <a:schemeClr val="bg2">
@@ -26813,7 +26813,7 @@
             <a:effectLst/>
             <a:extLst>
               <a:ext uri="{AF507438-7753-43e0-B8FC-AC1667EBCBE1}">
-                <a14:hiddenEffects xmlns="" xmlns:a14="http://schemas.microsoft.com/office/drawing/2010/main">
+                <a14:hiddenEffects xmlns:a14="http://schemas.microsoft.com/office/drawing/2010/main" xmlns="">
                   <a:effectLst>
                     <a:outerShdw blurRad="63500" dist="38099" dir="2700000" algn="ctr" rotWithShape="0">
                       <a:schemeClr val="bg2">
@@ -26903,7 +26903,7 @@
             <a:effectLst/>
             <a:extLst>
               <a:ext uri="{AF507438-7753-43e0-B8FC-AC1667EBCBE1}">
-                <a14:hiddenEffects xmlns="" xmlns:a14="http://schemas.microsoft.com/office/drawing/2010/main">
+                <a14:hiddenEffects xmlns:a14="http://schemas.microsoft.com/office/drawing/2010/main" xmlns="">
                   <a:effectLst>
                     <a:outerShdw blurRad="63500" dist="38099" dir="2700000" algn="ctr" rotWithShape="0">
                       <a:schemeClr val="bg2">
@@ -27000,7 +27000,7 @@
             <a:effectLst/>
             <a:extLst>
               <a:ext uri="{AF507438-7753-43e0-B8FC-AC1667EBCBE1}">
-                <a14:hiddenEffects xmlns="" xmlns:a14="http://schemas.microsoft.com/office/drawing/2010/main">
+                <a14:hiddenEffects xmlns:a14="http://schemas.microsoft.com/office/drawing/2010/main" xmlns="">
                   <a:effectLst>
                     <a:outerShdw blurRad="63500" dist="38099" dir="2700000" algn="ctr" rotWithShape="0">
                       <a:schemeClr val="bg2">
@@ -27092,7 +27092,7 @@
             <a:effectLst/>
             <a:extLst>
               <a:ext uri="{AF507438-7753-43e0-B8FC-AC1667EBCBE1}">
-                <a14:hiddenEffects xmlns="" xmlns:a14="http://schemas.microsoft.com/office/drawing/2010/main">
+                <a14:hiddenEffects xmlns:a14="http://schemas.microsoft.com/office/drawing/2010/main" xmlns="">
                   <a:effectLst>
                     <a:outerShdw blurRad="63500" dist="38099" dir="2700000" algn="ctr" rotWithShape="0">
                       <a:schemeClr val="bg2">
@@ -27138,7 +27138,7 @@
             <a:effectLst/>
             <a:extLst>
               <a:ext uri="{AF507438-7753-43e0-B8FC-AC1667EBCBE1}">
-                <a14:hiddenEffects xmlns="" xmlns:a14="http://schemas.microsoft.com/office/drawing/2010/main">
+                <a14:hiddenEffects xmlns:a14="http://schemas.microsoft.com/office/drawing/2010/main" xmlns="">
                   <a:effectLst>
                     <a:outerShdw blurRad="63500" dist="38099" dir="2700000" algn="ctr" rotWithShape="0">
                       <a:schemeClr val="bg2">
@@ -27188,7 +27188,7 @@
             <a:effectLst/>
             <a:extLst>
               <a:ext uri="{AF507438-7753-43e0-B8FC-AC1667EBCBE1}">
-                <a14:hiddenEffects xmlns="" xmlns:a14="http://schemas.microsoft.com/office/drawing/2010/main">
+                <a14:hiddenEffects xmlns:a14="http://schemas.microsoft.com/office/drawing/2010/main" xmlns="">
                   <a:effectLst>
                     <a:outerShdw blurRad="63500" dist="38099" dir="2700000" algn="ctr" rotWithShape="0">
                       <a:schemeClr val="bg2">
@@ -27237,7 +27237,7 @@
             <a:effectLst/>
             <a:extLst>
               <a:ext uri="{AF507438-7753-43e0-B8FC-AC1667EBCBE1}">
-                <a14:hiddenEffects xmlns="" xmlns:a14="http://schemas.microsoft.com/office/drawing/2010/main">
+                <a14:hiddenEffects xmlns:a14="http://schemas.microsoft.com/office/drawing/2010/main" xmlns="">
                   <a:effectLst>
                     <a:outerShdw blurRad="63500" dist="38099" dir="2700000" algn="ctr" rotWithShape="0">
                       <a:schemeClr val="bg2">
@@ -27281,7 +27281,7 @@
             <a:effectLst/>
             <a:extLst>
               <a:ext uri="{AF507438-7753-43e0-B8FC-AC1667EBCBE1}">
-                <a14:hiddenEffects xmlns="" xmlns:a14="http://schemas.microsoft.com/office/drawing/2010/main">
+                <a14:hiddenEffects xmlns:a14="http://schemas.microsoft.com/office/drawing/2010/main" xmlns="">
                   <a:effectLst>
                     <a:outerShdw blurRad="63500" dist="38099" dir="2700000" algn="ctr" rotWithShape="0">
                       <a:schemeClr val="bg2">
@@ -30112,7 +30112,7 @@
           </a:p>
           <a:p>
             <a:r>
-              <a:rPr lang="pt-BR" sz="1050" dirty="0">
+              <a:rPr lang="pt-BR" sz="1050">
                 <a:solidFill>
                   <a:srgbClr val="080808"/>
                 </a:solidFill>
@@ -30123,15 +30123,26 @@
               <a:t> </a:t>
             </a:r>
             <a:r>
-              <a:rPr lang="pt-BR" sz="1050" dirty="0" smtClean="0">
-                <a:solidFill>
-                  <a:srgbClr val="080808"/>
-                </a:solidFill>
-                <a:latin typeface="Courier New" panose="02070309020205020404" pitchFamily="49" charset="0"/>
-                <a:ea typeface="SimSun" panose="02010600030101010101" pitchFamily="2" charset="-122"/>
-                <a:cs typeface="Courier New" panose="02070309020205020404" pitchFamily="49" charset="0"/>
-              </a:rPr>
-              <a:t>   i=0</a:t>
+              <a:rPr lang="pt-BR" sz="1050" smtClean="0">
+                <a:solidFill>
+                  <a:srgbClr val="080808"/>
+                </a:solidFill>
+                <a:latin typeface="Courier New" panose="02070309020205020404" pitchFamily="49" charset="0"/>
+                <a:ea typeface="SimSun" panose="02010600030101010101" pitchFamily="2" charset="-122"/>
+                <a:cs typeface="Courier New" panose="02070309020205020404" pitchFamily="49" charset="0"/>
+              </a:rPr>
+              <a:t>   </a:t>
+            </a:r>
+            <a:r>
+              <a:rPr lang="pt-BR" sz="1050" smtClean="0">
+                <a:solidFill>
+                  <a:srgbClr val="080808"/>
+                </a:solidFill>
+                <a:latin typeface="Courier New" panose="02070309020205020404" pitchFamily="49" charset="0"/>
+                <a:ea typeface="SimSun" panose="02010600030101010101" pitchFamily="2" charset="-122"/>
+                <a:cs typeface="Courier New" panose="02070309020205020404" pitchFamily="49" charset="0"/>
+              </a:rPr>
+              <a:t>i=0;</a:t>
             </a:r>
             <a:endParaRPr lang="pt-BR" sz="1050" dirty="0">
               <a:solidFill>
@@ -34077,7 +34088,7 @@
           <a:effectLst/>
           <a:extLst>
             <a:ext uri="{AF507438-7753-43e0-B8FC-AC1667EBCBE1}">
-              <a14:hiddenEffects xmlns="" xmlns:a14="http://schemas.microsoft.com/office/drawing/2010/main">
+              <a14:hiddenEffects xmlns:a14="http://schemas.microsoft.com/office/drawing/2010/main" xmlns="">
                 <a:effectLst>
                   <a:outerShdw blurRad="63500" dist="38099" dir="2700000" algn="ctr" rotWithShape="0">
                     <a:schemeClr val="bg2">
@@ -36547,19 +36558,7 @@
               <a:rPr lang="en-GB" sz="1400" dirty="0" smtClean="0">
                 <a:latin typeface="+mn-lt"/>
               </a:rPr>
-              <a:t>Eight bits combine to produce a byte. If each bit in a byte can be either a zero or a one then a </a:t>
-            </a:r>
-            <a:r>
-              <a:rPr lang="en-GB" sz="1400" dirty="0" smtClean="0">
-                <a:latin typeface="+mn-lt"/>
-              </a:rPr>
-              <a:t>byte </a:t>
-            </a:r>
-            <a:r>
-              <a:rPr lang="en-GB" sz="1400" dirty="0" smtClean="0">
-                <a:latin typeface="+mn-lt"/>
-              </a:rPr>
-              <a:t>can represent: </a:t>
+              <a:t>Eight bits combine to produce a byte. If each bit in a byte can be either a zero or a one then a byte can represent: </a:t>
             </a:r>
           </a:p>
           <a:p>
@@ -39963,7 +39962,7 @@
         <a:effectLst/>
         <a:extLst>
           <a:ext uri="{AF507438-7753-43e0-B8FC-AC1667EBCBE1}">
-            <a14:hiddenEffects xmlns="" xmlns:a14="http://schemas.microsoft.com/office/drawing/2010/main">
+            <a14:hiddenEffects xmlns:a14="http://schemas.microsoft.com/office/drawing/2010/main" xmlns="">
               <a:effectLst>
                 <a:outerShdw blurRad="63500" dist="38099" dir="2700000" algn="ctr" rotWithShape="0">
                   <a:schemeClr val="bg2">
@@ -40039,7 +40038,7 @@
         <a:effectLst/>
         <a:extLst>
           <a:ext uri="{AF507438-7753-43e0-B8FC-AC1667EBCBE1}">
-            <a14:hiddenEffects xmlns="" xmlns:a14="http://schemas.microsoft.com/office/drawing/2010/main">
+            <a14:hiddenEffects xmlns:a14="http://schemas.microsoft.com/office/drawing/2010/main" xmlns="">
               <a:effectLst>
                 <a:outerShdw blurRad="63500" dist="38099" dir="2700000" algn="ctr" rotWithShape="0">
                   <a:schemeClr val="bg2">
@@ -41102,24 +41101,6 @@
 </file>
 
 <file path=customXml/item1.xml><?xml version="1.0" encoding="utf-8"?>
-<p:properties xmlns:p="http://schemas.microsoft.com/office/2006/metadata/properties" xmlns:xsi="http://www.w3.org/2001/XMLSchema-instance" xmlns:pc="http://schemas.microsoft.com/office/infopath/2007/PartnerControls">
-  <documentManagement>
-    <PublishingExpirationDate xmlns="http://schemas.microsoft.com/sharepoint/v3" xsi:nil="true"/>
-    <PublishingStartDate xmlns="http://schemas.microsoft.com/sharepoint/v3" xsi:nil="true"/>
-  </documentManagement>
-</p:properties>
-</file>
-
-<file path=customXml/item2.xml><?xml version="1.0" encoding="utf-8"?>
-<?mso-contentType ?>
-<FormTemplates xmlns="http://schemas.microsoft.com/sharepoint/v3/contenttype/forms">
-  <Display>DocumentLibraryForm</Display>
-  <Edit>DocumentLibraryForm</Edit>
-  <New>DocumentLibraryForm</New>
-</FormTemplates>
-</file>
-
-<file path=customXml/item3.xml><?xml version="1.0" encoding="utf-8"?>
 <ct:contentTypeSchema xmlns:ct="http://schemas.microsoft.com/office/2006/metadata/contentType" xmlns:ma="http://schemas.microsoft.com/office/2006/metadata/properties/metaAttributes" ct:_="" ma:_="" ma:contentTypeName="Document" ma:contentTypeID="0x010100F087B862386F8A48840A2142C0600765" ma:contentTypeVersion="1" ma:contentTypeDescription="Create a new document." ma:contentTypeScope="" ma:versionID="68e7a6ad2ab34d836eda56dc5c7bc733">
   <xsd:schema xmlns:xsd="http://www.w3.org/2001/XMLSchema" xmlns:xs="http://www.w3.org/2001/XMLSchema" xmlns:p="http://schemas.microsoft.com/office/2006/metadata/properties" xmlns:ns1="http://schemas.microsoft.com/sharepoint/v3" targetNamespace="http://schemas.microsoft.com/office/2006/metadata/properties" ma:root="true" ma:fieldsID="48c5b5cd9b8d25ff6dd15848836f4270" ns1:_="">
     <xsd:import namespace="http://schemas.microsoft.com/sharepoint/v3"/>
@@ -41251,31 +41232,25 @@
 </ct:contentTypeSchema>
 </file>
 
-<file path=customXml/itemProps1.xml><?xml version="1.0" encoding="utf-8"?>
-<ds:datastoreItem xmlns:ds="http://schemas.openxmlformats.org/officeDocument/2006/customXml" ds:itemID="{D83787E9-855B-43BD-8382-B7C63B9BC33D}">
-  <ds:schemaRefs>
-    <ds:schemaRef ds:uri="http://purl.org/dc/terms/"/>
-    <ds:schemaRef ds:uri="http://schemas.openxmlformats.org/package/2006/metadata/core-properties"/>
-    <ds:schemaRef ds:uri="http://schemas.microsoft.com/office/2006/documentManagement/types"/>
-    <ds:schemaRef ds:uri="http://schemas.microsoft.com/office/infopath/2007/PartnerControls"/>
-    <ds:schemaRef ds:uri="http://purl.org/dc/elements/1.1/"/>
-    <ds:schemaRef ds:uri="http://schemas.microsoft.com/office/2006/metadata/properties"/>
-    <ds:schemaRef ds:uri="http://schemas.microsoft.com/sharepoint/v3"/>
-    <ds:schemaRef ds:uri="http://www.w3.org/XML/1998/namespace"/>
-    <ds:schemaRef ds:uri="http://purl.org/dc/dcmitype/"/>
-  </ds:schemaRefs>
-</ds:datastoreItem>
+<file path=customXml/item2.xml><?xml version="1.0" encoding="utf-8"?>
+<?mso-contentType ?>
+<FormTemplates xmlns="http://schemas.microsoft.com/sharepoint/v3/contenttype/forms">
+  <Display>DocumentLibraryForm</Display>
+  <Edit>DocumentLibraryForm</Edit>
+  <New>DocumentLibraryForm</New>
+</FormTemplates>
 </file>
 
-<file path=customXml/itemProps2.xml><?xml version="1.0" encoding="utf-8"?>
-<ds:datastoreItem xmlns:ds="http://schemas.openxmlformats.org/officeDocument/2006/customXml" ds:itemID="{2E0637EC-CEA5-409F-B139-003005A14145}">
-  <ds:schemaRefs>
-    <ds:schemaRef ds:uri="http://schemas.microsoft.com/sharepoint/v3/contenttype/forms"/>
-  </ds:schemaRefs>
-</ds:datastoreItem>
+<file path=customXml/item3.xml><?xml version="1.0" encoding="utf-8"?>
+<p:properties xmlns:p="http://schemas.microsoft.com/office/2006/metadata/properties" xmlns:xsi="http://www.w3.org/2001/XMLSchema-instance" xmlns:pc="http://schemas.microsoft.com/office/infopath/2007/PartnerControls">
+  <documentManagement>
+    <PublishingExpirationDate xmlns="http://schemas.microsoft.com/sharepoint/v3" xsi:nil="true"/>
+    <PublishingStartDate xmlns="http://schemas.microsoft.com/sharepoint/v3" xsi:nil="true"/>
+  </documentManagement>
+</p:properties>
 </file>
 
-<file path=customXml/itemProps3.xml><?xml version="1.0" encoding="utf-8"?>
+<file path=customXml/itemProps1.xml><?xml version="1.0" encoding="utf-8"?>
 <ds:datastoreItem xmlns:ds="http://schemas.openxmlformats.org/officeDocument/2006/customXml" ds:itemID="{866DD9C6-787C-4079-86E8-1446954686C6}">
   <ds:schemaRefs>
     <ds:schemaRef ds:uri="http://schemas.microsoft.com/office/2006/metadata/contentType"/>
@@ -41291,4 +41266,28 @@
     <ds:schemaRef ds:uri="http://schemas.microsoft.com/internal/obd"/>
   </ds:schemaRefs>
 </ds:datastoreItem>
+</file>
+
+<file path=customXml/itemProps2.xml><?xml version="1.0" encoding="utf-8"?>
+<ds:datastoreItem xmlns:ds="http://schemas.openxmlformats.org/officeDocument/2006/customXml" ds:itemID="{2E0637EC-CEA5-409F-B139-003005A14145}">
+  <ds:schemaRefs>
+    <ds:schemaRef ds:uri="http://schemas.microsoft.com/sharepoint/v3/contenttype/forms"/>
+  </ds:schemaRefs>
+</ds:datastoreItem>
+</file>
+
+<file path=customXml/itemProps3.xml><?xml version="1.0" encoding="utf-8"?>
+<ds:datastoreItem xmlns:ds="http://schemas.openxmlformats.org/officeDocument/2006/customXml" ds:itemID="{D83787E9-855B-43BD-8382-B7C63B9BC33D}">
+  <ds:schemaRefs>
+    <ds:schemaRef ds:uri="http://purl.org/dc/terms/"/>
+    <ds:schemaRef ds:uri="http://schemas.openxmlformats.org/package/2006/metadata/core-properties"/>
+    <ds:schemaRef ds:uri="http://schemas.microsoft.com/office/2006/documentManagement/types"/>
+    <ds:schemaRef ds:uri="http://schemas.microsoft.com/office/infopath/2007/PartnerControls"/>
+    <ds:schemaRef ds:uri="http://purl.org/dc/elements/1.1/"/>
+    <ds:schemaRef ds:uri="http://schemas.microsoft.com/office/2006/metadata/properties"/>
+    <ds:schemaRef ds:uri="http://schemas.microsoft.com/sharepoint/v3"/>
+    <ds:schemaRef ds:uri="http://www.w3.org/XML/1998/namespace"/>
+    <ds:schemaRef ds:uri="http://purl.org/dc/dcmitype/"/>
+  </ds:schemaRefs>
+</ds:datastoreItem>
 </file>